--- a/files/SENS Slide Design_MWS.pptx
+++ b/files/SENS Slide Design_MWS.pptx
@@ -1473,7 +1473,7 @@
           <p:nvPr userDrawn="1"/>
         </p:nvPicPr>
         <p:blipFill>
-          <a:blip r:embed="rId5">
+          <a:blip r:embed="rId5" cstate="screen">
             <a:duotone>
               <a:schemeClr val="bg2">
                 <a:shade val="45000"/>
@@ -1490,6 +1490,9 @@
                     </a14:imgEffect>
                   </a14:imgLayer>
                 </a14:imgProps>
+              </a:ext>
+              <a:ext uri="{28A0092B-C50C-407E-A947-70E740481C1C}">
+                <a14:useLocalDpi xmlns:a14="http://schemas.microsoft.com/office/drawing/2010/main"/>
               </a:ext>
             </a:extLst>
           </a:blip>
@@ -1736,7 +1739,7 @@
           <p:nvPr userDrawn="1"/>
         </p:nvPicPr>
         <p:blipFill>
-          <a:blip r:embed="rId3">
+          <a:blip r:embed="rId3" cstate="screen">
             <a:duotone>
               <a:schemeClr val="bg2">
                 <a:shade val="45000"/>
@@ -1753,6 +1756,9 @@
                     </a14:imgEffect>
                   </a14:imgLayer>
                 </a14:imgProps>
+              </a:ext>
+              <a:ext uri="{28A0092B-C50C-407E-A947-70E740481C1C}">
+                <a14:useLocalDpi xmlns:a14="http://schemas.microsoft.com/office/drawing/2010/main"/>
               </a:ext>
             </a:extLst>
           </a:blip>
@@ -1772,10 +1778,10 @@
       </p:pic>
       <p:sp>
         <p:nvSpPr>
-          <p:cNvPr id="15" name="TextBox 14">
+          <p:cNvPr id="7" name="TextBox 6">
             <a:extLst>
               <a:ext uri="{FF2B5EF4-FFF2-40B4-BE49-F238E27FC236}">
-                <a16:creationId xmlns:a16="http://schemas.microsoft.com/office/drawing/2014/main" id="{6FD35383-FCE1-4F33-B19A-B7FB2FE18856}"/>
+                <a16:creationId xmlns:a16="http://schemas.microsoft.com/office/drawing/2014/main" id="{C3A05194-FF11-441D-B474-AA9B124EAF77}"/>
               </a:ext>
             </a:extLst>
           </p:cNvPr>
@@ -1785,7 +1791,7 @@
         <p:spPr>
           <a:xfrm>
             <a:off x="321269" y="6248195"/>
-            <a:ext cx="973343" cy="338554"/>
+            <a:ext cx="1374094" cy="338554"/>
           </a:xfrm>
           <a:prstGeom prst="rect">
             <a:avLst/>
@@ -1806,7 +1812,7 @@
                 </a:solidFill>
                 <a:latin typeface="+mn-lt"/>
               </a:rPr>
-              <a:t> L#, S</a:t>
+              <a:t> M#, L#, S</a:t>
             </a:r>
             <a:fld id="{C49D20B1-0957-4D96-933D-CE19A2178CB6}" type="slidenum">
               <a:rPr lang="en-CA" sz="1600" smtClean="0">
@@ -1892,8 +1898,8 @@
         </p:blipFill>
         <p:spPr bwMode="auto">
           <a:xfrm>
-            <a:off x="-8626" y="980728"/>
-            <a:ext cx="12200626" cy="2952328"/>
+            <a:off x="0" y="980728"/>
+            <a:ext cx="12192000" cy="2952328"/>
           </a:xfrm>
           <a:prstGeom prst="rect">
             <a:avLst/>
@@ -1967,7 +1973,7 @@
           <p:nvPr userDrawn="1"/>
         </p:nvPicPr>
         <p:blipFill>
-          <a:blip r:embed="rId4">
+          <a:blip r:embed="rId4" cstate="screen">
             <a:duotone>
               <a:schemeClr val="bg2">
                 <a:shade val="45000"/>
@@ -1984,6 +1990,9 @@
                     </a14:imgEffect>
                   </a14:imgLayer>
                 </a14:imgProps>
+              </a:ext>
+              <a:ext uri="{28A0092B-C50C-407E-A947-70E740481C1C}">
+                <a14:useLocalDpi xmlns:a14="http://schemas.microsoft.com/office/drawing/2010/main"/>
               </a:ext>
             </a:extLst>
           </a:blip>
@@ -2580,8 +2589,8 @@
         </p:blipFill>
         <p:spPr bwMode="auto">
           <a:xfrm>
-            <a:off x="0" y="980728"/>
-            <a:ext cx="12192000" cy="2952328"/>
+            <a:off x="0" y="980726"/>
+            <a:ext cx="12192000" cy="2952329"/>
           </a:xfrm>
           <a:prstGeom prst="rect">
             <a:avLst/>
@@ -3010,7 +3019,7 @@
           <p:nvPr userDrawn="1"/>
         </p:nvPicPr>
         <p:blipFill>
-          <a:blip r:embed="rId4">
+          <a:blip r:embed="rId4" cstate="screen">
             <a:duotone>
               <a:schemeClr val="bg2">
                 <a:shade val="45000"/>
@@ -3027,6 +3036,9 @@
                     </a14:imgEffect>
                   </a14:imgLayer>
                 </a14:imgProps>
+              </a:ext>
+              <a:ext uri="{28A0092B-C50C-407E-A947-70E740481C1C}">
+                <a14:useLocalDpi xmlns:a14="http://schemas.microsoft.com/office/drawing/2010/main"/>
               </a:ext>
             </a:extLst>
           </a:blip>
@@ -3268,8 +3280,8 @@
         </p:blipFill>
         <p:spPr bwMode="auto">
           <a:xfrm>
-            <a:off x="0" y="980726"/>
-            <a:ext cx="12192000" cy="2952329"/>
+            <a:off x="0" y="971540"/>
+            <a:ext cx="12192000" cy="2952328"/>
           </a:xfrm>
           <a:prstGeom prst="rect">
             <a:avLst/>
@@ -3698,7 +3710,7 @@
           <p:nvPr userDrawn="1"/>
         </p:nvPicPr>
         <p:blipFill>
-          <a:blip r:embed="rId4">
+          <a:blip r:embed="rId4" cstate="screen">
             <a:duotone>
               <a:schemeClr val="bg2">
                 <a:shade val="45000"/>
@@ -3715,6 +3727,9 @@
                     </a14:imgEffect>
                   </a14:imgLayer>
                 </a14:imgProps>
+              </a:ext>
+              <a:ext uri="{28A0092B-C50C-407E-A947-70E740481C1C}">
+                <a14:useLocalDpi xmlns:a14="http://schemas.microsoft.com/office/drawing/2010/main"/>
               </a:ext>
             </a:extLst>
           </a:blip>
@@ -3956,8 +3971,8 @@
         </p:blipFill>
         <p:spPr bwMode="auto">
           <a:xfrm>
-            <a:off x="0" y="980726"/>
-            <a:ext cx="12192000" cy="2952329"/>
+            <a:off x="-6980" y="971540"/>
+            <a:ext cx="12198980" cy="2963212"/>
           </a:xfrm>
           <a:prstGeom prst="rect">
             <a:avLst/>
@@ -4386,7 +4401,7 @@
           <p:nvPr userDrawn="1"/>
         </p:nvPicPr>
         <p:blipFill>
-          <a:blip r:embed="rId4">
+          <a:blip r:embed="rId4" cstate="screen">
             <a:duotone>
               <a:schemeClr val="bg2">
                 <a:shade val="45000"/>
@@ -4403,6 +4418,9 @@
                     </a14:imgEffect>
                   </a14:imgLayer>
                 </a14:imgProps>
+              </a:ext>
+              <a:ext uri="{28A0092B-C50C-407E-A947-70E740481C1C}">
+                <a14:useLocalDpi xmlns:a14="http://schemas.microsoft.com/office/drawing/2010/main"/>
               </a:ext>
             </a:extLst>
           </a:blip>
@@ -4644,8 +4662,8 @@
         </p:blipFill>
         <p:spPr bwMode="auto">
           <a:xfrm>
-            <a:off x="0" y="980726"/>
-            <a:ext cx="12192000" cy="2952330"/>
+            <a:off x="0" y="980728"/>
+            <a:ext cx="12216680" cy="2952328"/>
           </a:xfrm>
           <a:prstGeom prst="rect">
             <a:avLst/>
@@ -5074,7 +5092,7 @@
           <p:nvPr userDrawn="1"/>
         </p:nvPicPr>
         <p:blipFill>
-          <a:blip r:embed="rId4">
+          <a:blip r:embed="rId4" cstate="screen">
             <a:duotone>
               <a:schemeClr val="bg2">
                 <a:shade val="45000"/>
@@ -5091,6 +5109,9 @@
                     </a14:imgEffect>
                   </a14:imgLayer>
                 </a14:imgProps>
+              </a:ext>
+              <a:ext uri="{28A0092B-C50C-407E-A947-70E740481C1C}">
+                <a14:useLocalDpi xmlns:a14="http://schemas.microsoft.com/office/drawing/2010/main"/>
               </a:ext>
             </a:extLst>
           </a:blip>
@@ -5447,7 +5468,7 @@
           <p:nvPr userDrawn="1"/>
         </p:nvPicPr>
         <p:blipFill>
-          <a:blip r:embed="rId4">
+          <a:blip r:embed="rId4" cstate="screen">
             <a:duotone>
               <a:schemeClr val="bg2">
                 <a:shade val="45000"/>
@@ -5464,6 +5485,9 @@
                     </a14:imgEffect>
                   </a14:imgLayer>
                 </a14:imgProps>
+              </a:ext>
+              <a:ext uri="{28A0092B-C50C-407E-A947-70E740481C1C}">
+                <a14:useLocalDpi xmlns:a14="http://schemas.microsoft.com/office/drawing/2010/main"/>
               </a:ext>
             </a:extLst>
           </a:blip>
@@ -5483,10 +5507,10 @@
       </p:pic>
       <p:sp>
         <p:nvSpPr>
-          <p:cNvPr id="12" name="TextBox 11">
+          <p:cNvPr id="10" name="TextBox 9">
             <a:extLst>
               <a:ext uri="{FF2B5EF4-FFF2-40B4-BE49-F238E27FC236}">
-                <a16:creationId xmlns:a16="http://schemas.microsoft.com/office/drawing/2014/main" id="{C6A57F85-6BD7-4804-91C2-DBD59CB590E6}"/>
+                <a16:creationId xmlns:a16="http://schemas.microsoft.com/office/drawing/2014/main" id="{2AB64894-E81F-41D4-920E-23DB35472B87}"/>
               </a:ext>
             </a:extLst>
           </p:cNvPr>
@@ -5496,7 +5520,7 @@
         <p:spPr>
           <a:xfrm>
             <a:off x="321269" y="6248195"/>
-            <a:ext cx="973343" cy="338554"/>
+            <a:ext cx="1374094" cy="338554"/>
           </a:xfrm>
           <a:prstGeom prst="rect">
             <a:avLst/>
@@ -5517,7 +5541,7 @@
                 </a:solidFill>
                 <a:latin typeface="+mn-lt"/>
               </a:rPr>
-              <a:t> L#, S</a:t>
+              <a:t> M#, L#, S</a:t>
             </a:r>
             <a:fld id="{C49D20B1-0957-4D96-933D-CE19A2178CB6}" type="slidenum">
               <a:rPr lang="en-CA" sz="1600" smtClean="0">
@@ -5831,63 +5855,6 @@
           </a:p>
         </p:txBody>
       </p:sp>
-      <p:sp>
-        <p:nvSpPr>
-          <p:cNvPr id="5" name="TextBox 4">
-            <a:extLst>
-              <a:ext uri="{FF2B5EF4-FFF2-40B4-BE49-F238E27FC236}">
-                <a16:creationId xmlns:a16="http://schemas.microsoft.com/office/drawing/2014/main" id="{A85529D5-AB37-4704-B3CF-590367B0B1BD}"/>
-              </a:ext>
-            </a:extLst>
-          </p:cNvPr>
-          <p:cNvSpPr txBox="1"/>
-          <p:nvPr userDrawn="1"/>
-        </p:nvSpPr>
-        <p:spPr>
-          <a:xfrm>
-            <a:off x="321269" y="6248195"/>
-            <a:ext cx="973343" cy="338554"/>
-          </a:xfrm>
-          <a:prstGeom prst="rect">
-            <a:avLst/>
-          </a:prstGeom>
-          <a:noFill/>
-        </p:spPr>
-        <p:txBody>
-          <a:bodyPr wrap="none" rtlCol="0">
-            <a:spAutoFit/>
-          </a:bodyPr>
-          <a:lstStyle/>
-          <a:p>
-            <a:pPr algn="l"/>
-            <a:r>
-              <a:rPr lang="en-CA" sz="1600" dirty="0">
-                <a:solidFill>
-                  <a:schemeClr val="bg1"/>
-                </a:solidFill>
-                <a:latin typeface="+mn-lt"/>
-              </a:rPr>
-              <a:t> L#, S</a:t>
-            </a:r>
-            <a:fld id="{C49D20B1-0957-4D96-933D-CE19A2178CB6}" type="slidenum">
-              <a:rPr lang="en-CA" sz="1600" smtClean="0">
-                <a:solidFill>
-                  <a:schemeClr val="bg1"/>
-                </a:solidFill>
-                <a:latin typeface="+mn-lt"/>
-              </a:rPr>
-              <a:pPr algn="l"/>
-              <a:t>‹#›</a:t>
-            </a:fld>
-            <a:endParaRPr lang="en-CA" sz="1600" dirty="0">
-              <a:solidFill>
-                <a:schemeClr val="bg1"/>
-              </a:solidFill>
-              <a:latin typeface="+mn-lt"/>
-            </a:endParaRPr>
-          </a:p>
-        </p:txBody>
-      </p:sp>
       <p:pic>
         <p:nvPicPr>
           <p:cNvPr id="8" name="Picture 7">
@@ -5945,7 +5912,7 @@
           <p:nvPr userDrawn="1"/>
         </p:nvPicPr>
         <p:blipFill>
-          <a:blip r:embed="rId3">
+          <a:blip r:embed="rId3" cstate="screen">
             <a:duotone>
               <a:schemeClr val="bg2">
                 <a:shade val="45000"/>
@@ -5962,6 +5929,9 @@
                     </a14:imgEffect>
                   </a14:imgLayer>
                 </a14:imgProps>
+              </a:ext>
+              <a:ext uri="{28A0092B-C50C-407E-A947-70E740481C1C}">
+                <a14:useLocalDpi xmlns:a14="http://schemas.microsoft.com/office/drawing/2010/main"/>
               </a:ext>
             </a:extLst>
           </a:blip>
@@ -5979,6 +5949,63 @@
           </a:prstGeom>
         </p:spPr>
       </p:pic>
+      <p:sp>
+        <p:nvSpPr>
+          <p:cNvPr id="10" name="TextBox 9">
+            <a:extLst>
+              <a:ext uri="{FF2B5EF4-FFF2-40B4-BE49-F238E27FC236}">
+                <a16:creationId xmlns:a16="http://schemas.microsoft.com/office/drawing/2014/main" id="{0400317C-E105-451C-8FE9-ADD83CF46C2B}"/>
+              </a:ext>
+            </a:extLst>
+          </p:cNvPr>
+          <p:cNvSpPr txBox="1"/>
+          <p:nvPr userDrawn="1"/>
+        </p:nvSpPr>
+        <p:spPr>
+          <a:xfrm>
+            <a:off x="321269" y="6248195"/>
+            <a:ext cx="1374094" cy="338554"/>
+          </a:xfrm>
+          <a:prstGeom prst="rect">
+            <a:avLst/>
+          </a:prstGeom>
+          <a:noFill/>
+        </p:spPr>
+        <p:txBody>
+          <a:bodyPr wrap="none" rtlCol="0">
+            <a:spAutoFit/>
+          </a:bodyPr>
+          <a:lstStyle/>
+          <a:p>
+            <a:pPr algn="l"/>
+            <a:r>
+              <a:rPr lang="en-CA" sz="1600" dirty="0">
+                <a:solidFill>
+                  <a:schemeClr val="bg1"/>
+                </a:solidFill>
+                <a:latin typeface="+mn-lt"/>
+              </a:rPr>
+              <a:t> M#, L#, S</a:t>
+            </a:r>
+            <a:fld id="{C49D20B1-0957-4D96-933D-CE19A2178CB6}" type="slidenum">
+              <a:rPr lang="en-CA" sz="1600" smtClean="0">
+                <a:solidFill>
+                  <a:schemeClr val="bg1"/>
+                </a:solidFill>
+                <a:latin typeface="+mn-lt"/>
+              </a:rPr>
+              <a:pPr algn="l"/>
+              <a:t>‹#›</a:t>
+            </a:fld>
+            <a:endParaRPr lang="en-CA" sz="1600" dirty="0">
+              <a:solidFill>
+                <a:schemeClr val="bg1"/>
+              </a:solidFill>
+              <a:latin typeface="+mn-lt"/>
+            </a:endParaRPr>
+          </a:p>
+        </p:txBody>
+      </p:sp>
     </p:spTree>
     <p:extLst>
       <p:ext uri="{BB962C8B-B14F-4D97-AF65-F5344CB8AC3E}">
@@ -6502,7 +6529,7 @@
           <p:nvPr userDrawn="1"/>
         </p:nvPicPr>
         <p:blipFill>
-          <a:blip r:embed="rId3">
+          <a:blip r:embed="rId3" cstate="screen">
             <a:duotone>
               <a:schemeClr val="bg2">
                 <a:shade val="45000"/>
@@ -6519,6 +6546,9 @@
                     </a14:imgEffect>
                   </a14:imgLayer>
                 </a14:imgProps>
+              </a:ext>
+              <a:ext uri="{28A0092B-C50C-407E-A947-70E740481C1C}">
+                <a14:useLocalDpi xmlns:a14="http://schemas.microsoft.com/office/drawing/2010/main"/>
               </a:ext>
             </a:extLst>
           </a:blip>
@@ -6538,10 +6568,10 @@
       </p:pic>
       <p:sp>
         <p:nvSpPr>
-          <p:cNvPr id="22" name="TextBox 21">
+          <p:cNvPr id="11" name="TextBox 10">
             <a:extLst>
               <a:ext uri="{FF2B5EF4-FFF2-40B4-BE49-F238E27FC236}">
-                <a16:creationId xmlns:a16="http://schemas.microsoft.com/office/drawing/2014/main" id="{7D2667D4-256C-4A46-B1D9-CE4151C06E48}"/>
+                <a16:creationId xmlns:a16="http://schemas.microsoft.com/office/drawing/2014/main" id="{7F236554-5364-4CFF-9C99-BEBBBF3FFB51}"/>
               </a:ext>
             </a:extLst>
           </p:cNvPr>
@@ -6551,7 +6581,7 @@
         <p:spPr>
           <a:xfrm>
             <a:off x="321269" y="6248195"/>
-            <a:ext cx="973343" cy="338554"/>
+            <a:ext cx="1374094" cy="338554"/>
           </a:xfrm>
           <a:prstGeom prst="rect">
             <a:avLst/>
@@ -6572,7 +6602,7 @@
                 </a:solidFill>
                 <a:latin typeface="+mn-lt"/>
               </a:rPr>
-              <a:t> L#, S</a:t>
+              <a:t> M#, L#, S</a:t>
             </a:r>
             <a:fld id="{C49D20B1-0957-4D96-933D-CE19A2178CB6}" type="slidenum">
               <a:rPr lang="en-CA" sz="1600" smtClean="0">
@@ -7951,10 +7981,10 @@
           <p:nvPr/>
         </p:nvPicPr>
         <p:blipFill>
-          <a:blip r:embed="rId2">
+          <a:blip r:embed="rId2" cstate="screen">
             <a:extLst>
               <a:ext uri="{28A0092B-C50C-407E-A947-70E740481C1C}">
-                <a14:useLocalDpi xmlns:a14="http://schemas.microsoft.com/office/drawing/2010/main" val="0"/>
+                <a14:useLocalDpi xmlns:a14="http://schemas.microsoft.com/office/drawing/2010/main"/>
               </a:ext>
             </a:extLst>
           </a:blip>
